--- a/週報/RTKとGPSの違い.pptx
+++ b/週報/RTKとGPSの違い.pptx
@@ -10,14 +10,16 @@
     <p:sldId id="259" r:id="rId4"/>
     <p:sldId id="261" r:id="rId5"/>
     <p:sldId id="260" r:id="rId6"/>
-    <p:sldId id="263" r:id="rId7"/>
-    <p:sldId id="262" r:id="rId8"/>
-    <p:sldId id="266" r:id="rId9"/>
-    <p:sldId id="268" r:id="rId10"/>
-    <p:sldId id="265" r:id="rId11"/>
-    <p:sldId id="264" r:id="rId12"/>
-    <p:sldId id="267" r:id="rId13"/>
-    <p:sldId id="258" r:id="rId14"/>
+    <p:sldId id="269" r:id="rId7"/>
+    <p:sldId id="270" r:id="rId8"/>
+    <p:sldId id="263" r:id="rId9"/>
+    <p:sldId id="262" r:id="rId10"/>
+    <p:sldId id="266" r:id="rId11"/>
+    <p:sldId id="268" r:id="rId12"/>
+    <p:sldId id="265" r:id="rId13"/>
+    <p:sldId id="264" r:id="rId14"/>
+    <p:sldId id="267" r:id="rId15"/>
+    <p:sldId id="258" r:id="rId16"/>
   </p:sldIdLst>
   <p:sldSz cx="12192000" cy="6858000"/>
   <p:notesSz cx="6858000" cy="9144000"/>
@@ -271,7 +273,7 @@
           <a:p>
             <a:fld id="{2363BB51-B5BC-476D-810E-B7D500BB2585}" type="datetimeFigureOut">
               <a:rPr kumimoji="1" lang="ja-JP" altLang="en-US" smtClean="0"/>
-              <a:t>2021/12/12</a:t>
+              <a:t>2021/12/19</a:t>
             </a:fld>
             <a:endParaRPr kumimoji="1" lang="ja-JP" altLang="en-US"/>
           </a:p>
@@ -501,7 +503,7 @@
           <a:p>
             <a:fld id="{2363BB51-B5BC-476D-810E-B7D500BB2585}" type="datetimeFigureOut">
               <a:rPr kumimoji="1" lang="ja-JP" altLang="en-US" smtClean="0"/>
-              <a:t>2021/12/12</a:t>
+              <a:t>2021/12/19</a:t>
             </a:fld>
             <a:endParaRPr kumimoji="1" lang="ja-JP" altLang="en-US"/>
           </a:p>
@@ -741,7 +743,7 @@
           <a:p>
             <a:fld id="{2363BB51-B5BC-476D-810E-B7D500BB2585}" type="datetimeFigureOut">
               <a:rPr kumimoji="1" lang="ja-JP" altLang="en-US" smtClean="0"/>
-              <a:t>2021/12/12</a:t>
+              <a:t>2021/12/19</a:t>
             </a:fld>
             <a:endParaRPr kumimoji="1" lang="ja-JP" altLang="en-US"/>
           </a:p>
@@ -971,7 +973,7 @@
           <a:p>
             <a:fld id="{2363BB51-B5BC-476D-810E-B7D500BB2585}" type="datetimeFigureOut">
               <a:rPr kumimoji="1" lang="ja-JP" altLang="en-US" smtClean="0"/>
-              <a:t>2021/12/12</a:t>
+              <a:t>2021/12/19</a:t>
             </a:fld>
             <a:endParaRPr kumimoji="1" lang="ja-JP" altLang="en-US"/>
           </a:p>
@@ -1246,7 +1248,7 @@
           <a:p>
             <a:fld id="{2363BB51-B5BC-476D-810E-B7D500BB2585}" type="datetimeFigureOut">
               <a:rPr kumimoji="1" lang="ja-JP" altLang="en-US" smtClean="0"/>
-              <a:t>2021/12/12</a:t>
+              <a:t>2021/12/19</a:t>
             </a:fld>
             <a:endParaRPr kumimoji="1" lang="ja-JP" altLang="en-US"/>
           </a:p>
@@ -1575,7 +1577,7 @@
           <a:p>
             <a:fld id="{2363BB51-B5BC-476D-810E-B7D500BB2585}" type="datetimeFigureOut">
               <a:rPr kumimoji="1" lang="ja-JP" altLang="en-US" smtClean="0"/>
-              <a:t>2021/12/12</a:t>
+              <a:t>2021/12/19</a:t>
             </a:fld>
             <a:endParaRPr kumimoji="1" lang="ja-JP" altLang="en-US"/>
           </a:p>
@@ -2051,7 +2053,7 @@
           <a:p>
             <a:fld id="{2363BB51-B5BC-476D-810E-B7D500BB2585}" type="datetimeFigureOut">
               <a:rPr kumimoji="1" lang="ja-JP" altLang="en-US" smtClean="0"/>
-              <a:t>2021/12/12</a:t>
+              <a:t>2021/12/19</a:t>
             </a:fld>
             <a:endParaRPr kumimoji="1" lang="ja-JP" altLang="en-US"/>
           </a:p>
@@ -2192,7 +2194,7 @@
           <a:p>
             <a:fld id="{2363BB51-B5BC-476D-810E-B7D500BB2585}" type="datetimeFigureOut">
               <a:rPr kumimoji="1" lang="ja-JP" altLang="en-US" smtClean="0"/>
-              <a:t>2021/12/12</a:t>
+              <a:t>2021/12/19</a:t>
             </a:fld>
             <a:endParaRPr kumimoji="1" lang="ja-JP" altLang="en-US"/>
           </a:p>
@@ -2305,7 +2307,7 @@
           <a:p>
             <a:fld id="{2363BB51-B5BC-476D-810E-B7D500BB2585}" type="datetimeFigureOut">
               <a:rPr kumimoji="1" lang="ja-JP" altLang="en-US" smtClean="0"/>
-              <a:t>2021/12/12</a:t>
+              <a:t>2021/12/19</a:t>
             </a:fld>
             <a:endParaRPr kumimoji="1" lang="ja-JP" altLang="en-US"/>
           </a:p>
@@ -2648,7 +2650,7 @@
           <a:p>
             <a:fld id="{2363BB51-B5BC-476D-810E-B7D500BB2585}" type="datetimeFigureOut">
               <a:rPr kumimoji="1" lang="ja-JP" altLang="en-US" smtClean="0"/>
-              <a:t>2021/12/12</a:t>
+              <a:t>2021/12/19</a:t>
             </a:fld>
             <a:endParaRPr kumimoji="1" lang="ja-JP" altLang="en-US"/>
           </a:p>
@@ -2936,7 +2938,7 @@
           <a:p>
             <a:fld id="{2363BB51-B5BC-476D-810E-B7D500BB2585}" type="datetimeFigureOut">
               <a:rPr kumimoji="1" lang="ja-JP" altLang="en-US" smtClean="0"/>
-              <a:t>2021/12/12</a:t>
+              <a:t>2021/12/19</a:t>
             </a:fld>
             <a:endParaRPr kumimoji="1" lang="ja-JP" altLang="en-US"/>
           </a:p>
@@ -3209,7 +3211,7 @@
           <a:p>
             <a:fld id="{2363BB51-B5BC-476D-810E-B7D500BB2585}" type="datetimeFigureOut">
               <a:rPr kumimoji="1" lang="ja-JP" altLang="en-US" smtClean="0"/>
-              <a:t>2021/12/12</a:t>
+              <a:t>2021/12/19</a:t>
             </a:fld>
             <a:endParaRPr kumimoji="1" lang="ja-JP" altLang="en-US"/>
           </a:p>
@@ -3736,6 +3738,577 @@
           <p:cNvPr id="2" name="タイトル 1">
             <a:extLst>
               <a:ext uri="{FF2B5EF4-FFF2-40B4-BE49-F238E27FC236}">
+                <a16:creationId xmlns:a16="http://schemas.microsoft.com/office/drawing/2014/main" id="{1B8C24D0-EC72-4816-8EB2-BC2D799D91A7}"/>
+              </a:ext>
+            </a:extLst>
+          </p:cNvPr>
+          <p:cNvSpPr>
+            <a:spLocks noGrp="1"/>
+          </p:cNvSpPr>
+          <p:nvPr>
+            <p:ph type="title"/>
+          </p:nvPr>
+        </p:nvSpPr>
+        <p:spPr/>
+        <p:txBody>
+          <a:bodyPr/>
+          <a:lstStyle/>
+          <a:p>
+            <a:r>
+              <a:rPr lang="en-US" altLang="ja-JP" b="1" dirty="0"/>
+              <a:t>GPS</a:t>
+            </a:r>
+            <a:r>
+              <a:rPr lang="ja-JP" altLang="en-US" b="1" dirty="0"/>
+              <a:t>の測位原理の細かい話（１）</a:t>
+            </a:r>
+            <a:endParaRPr kumimoji="1" lang="ja-JP" altLang="en-US" dirty="0"/>
+          </a:p>
+        </p:txBody>
+      </p:sp>
+      <p:pic>
+        <p:nvPicPr>
+          <p:cNvPr id="4" name="コンテンツ プレースホルダー 3">
+            <a:extLst>
+              <a:ext uri="{FF2B5EF4-FFF2-40B4-BE49-F238E27FC236}">
+                <a16:creationId xmlns:a16="http://schemas.microsoft.com/office/drawing/2014/main" id="{EEAE550E-C3E6-4A1D-8996-1B1E508AA304}"/>
+              </a:ext>
+            </a:extLst>
+          </p:cNvPr>
+          <p:cNvPicPr>
+            <a:picLocks noGrp="1" noChangeAspect="1"/>
+          </p:cNvPicPr>
+          <p:nvPr>
+            <p:ph idx="1"/>
+          </p:nvPr>
+        </p:nvPicPr>
+        <p:blipFill>
+          <a:blip r:embed="rId2"/>
+          <a:stretch>
+            <a:fillRect/>
+          </a:stretch>
+        </p:blipFill>
+        <p:spPr>
+          <a:xfrm>
+            <a:off x="1125275" y="1638301"/>
+            <a:ext cx="5378976" cy="4351338"/>
+          </a:xfrm>
+          <a:prstGeom prst="rect">
+            <a:avLst/>
+          </a:prstGeom>
+        </p:spPr>
+      </p:pic>
+      <p:sp>
+        <p:nvSpPr>
+          <p:cNvPr id="6" name="正方形/長方形 5">
+            <a:extLst>
+              <a:ext uri="{FF2B5EF4-FFF2-40B4-BE49-F238E27FC236}">
+                <a16:creationId xmlns:a16="http://schemas.microsoft.com/office/drawing/2014/main" id="{D246151B-0DF0-4A3D-BEFF-69412E7A7C86}"/>
+              </a:ext>
+            </a:extLst>
+          </p:cNvPr>
+          <p:cNvSpPr/>
+          <p:nvPr/>
+        </p:nvSpPr>
+        <p:spPr>
+          <a:xfrm>
+            <a:off x="6791325" y="1638301"/>
+            <a:ext cx="5140969" cy="3275013"/>
+          </a:xfrm>
+          <a:prstGeom prst="rect">
+            <a:avLst/>
+          </a:prstGeom>
+        </p:spPr>
+        <p:style>
+          <a:lnRef idx="2">
+            <a:schemeClr val="accent1">
+              <a:shade val="50000"/>
+            </a:schemeClr>
+          </a:lnRef>
+          <a:fillRef idx="1">
+            <a:schemeClr val="accent1"/>
+          </a:fillRef>
+          <a:effectRef idx="0">
+            <a:schemeClr val="accent1"/>
+          </a:effectRef>
+          <a:fontRef idx="minor">
+            <a:schemeClr val="lt1"/>
+          </a:fontRef>
+        </p:style>
+        <p:txBody>
+          <a:bodyPr rtlCol="0" anchor="ctr"/>
+          <a:lstStyle/>
+          <a:p>
+            <a:r>
+              <a:rPr lang="ja-JP" altLang="en-US" dirty="0"/>
+              <a:t>受信機から衛星までの距離１：</a:t>
+            </a:r>
+            <a:endParaRPr lang="en-US" altLang="ja-JP" dirty="0"/>
+          </a:p>
+          <a:p>
+            <a:r>
+              <a:rPr lang="ja-JP" altLang="en-US" b="1" dirty="0"/>
+              <a:t>　信号速度</a:t>
+            </a:r>
+            <a:r>
+              <a:rPr lang="en-US" altLang="ja-JP" b="1" dirty="0"/>
+              <a:t>×</a:t>
+            </a:r>
+            <a:r>
+              <a:rPr lang="ja-JP" altLang="en-US" b="1" dirty="0"/>
+              <a:t>信号到達時間</a:t>
+            </a:r>
+            <a:endParaRPr lang="en-US" altLang="ja-JP" b="1" dirty="0"/>
+          </a:p>
+          <a:p>
+            <a:r>
+              <a:rPr lang="ja-JP" altLang="en-US" dirty="0"/>
+              <a:t>受信機から衛星までの距離２</a:t>
+            </a:r>
+            <a:r>
+              <a:rPr lang="ja-JP" altLang="en-US" b="1" dirty="0"/>
+              <a:t>：</a:t>
+            </a:r>
+            <a:endParaRPr lang="en-US" altLang="ja-JP" dirty="0"/>
+          </a:p>
+          <a:p>
+            <a:r>
+              <a:rPr lang="ja-JP" altLang="en-US" dirty="0"/>
+              <a:t>　</a:t>
+            </a:r>
+            <a:r>
+              <a:rPr lang="ja-JP" altLang="en-US" b="1" dirty="0"/>
+              <a:t>信号電波の波の数を数える。</a:t>
+            </a:r>
+            <a:endParaRPr lang="en-US" altLang="ja-JP" b="1" dirty="0"/>
+          </a:p>
+          <a:p>
+            <a:r>
+              <a:rPr lang="ja-JP" altLang="en-US" b="1" dirty="0"/>
+              <a:t>詳細部分：</a:t>
+            </a:r>
+            <a:endParaRPr lang="en-US" altLang="ja-JP" b="1" dirty="0"/>
+          </a:p>
+          <a:p>
+            <a:r>
+              <a:rPr lang="ja-JP" altLang="en-US" dirty="0"/>
+              <a:t>　一つの波が</a:t>
+            </a:r>
+            <a:r>
+              <a:rPr lang="en-US" altLang="ja-JP" dirty="0"/>
+              <a:t>19cm</a:t>
+            </a:r>
+            <a:r>
+              <a:rPr lang="ja-JP" altLang="en-US" dirty="0"/>
+              <a:t>でそれが何個かで衛星までの距離を把握している。</a:t>
+            </a:r>
+            <a:endParaRPr lang="en-US" altLang="ja-JP" dirty="0"/>
+          </a:p>
+          <a:p>
+            <a:r>
+              <a:rPr lang="ja-JP" altLang="en-US" b="0" i="0" dirty="0">
+                <a:solidFill>
+                  <a:schemeClr val="bg1"/>
+                </a:solidFill>
+                <a:effectLst/>
+                <a:latin typeface="source-han-sans-japanese"/>
+              </a:rPr>
+              <a:t>衛星から送られてくる信号の時刻情報の分解能（１目盛）は、約</a:t>
+            </a:r>
+            <a:r>
+              <a:rPr lang="en-US" altLang="ja-JP" b="0" i="0" dirty="0">
+                <a:solidFill>
+                  <a:schemeClr val="bg1"/>
+                </a:solidFill>
+                <a:effectLst/>
+                <a:latin typeface="source-han-sans-japanese"/>
+              </a:rPr>
+              <a:t>300m</a:t>
+            </a:r>
+            <a:endParaRPr lang="en-US" altLang="ja-JP" dirty="0">
+              <a:solidFill>
+                <a:schemeClr val="bg1"/>
+              </a:solidFill>
+            </a:endParaRPr>
+          </a:p>
+        </p:txBody>
+      </p:sp>
+    </p:spTree>
+    <p:extLst>
+      <p:ext uri="{BB962C8B-B14F-4D97-AF65-F5344CB8AC3E}">
+        <p14:creationId xmlns:p14="http://schemas.microsoft.com/office/powerpoint/2010/main" val="2804608544"/>
+      </p:ext>
+    </p:extLst>
+  </p:cSld>
+  <p:clrMapOvr>
+    <a:masterClrMapping/>
+  </p:clrMapOvr>
+</p:sld>
+</file>
+
+<file path=ppt/slides/slide11.xml><?xml version="1.0" encoding="utf-8"?>
+<p:sld xmlns:a="http://schemas.openxmlformats.org/drawingml/2006/main" xmlns:r="http://schemas.openxmlformats.org/officeDocument/2006/relationships" xmlns:p="http://schemas.openxmlformats.org/presentationml/2006/main">
+  <p:cSld>
+    <p:spTree>
+      <p:nvGrpSpPr>
+        <p:cNvPr id="1" name=""/>
+        <p:cNvGrpSpPr/>
+        <p:nvPr/>
+      </p:nvGrpSpPr>
+      <p:grpSpPr>
+        <a:xfrm>
+          <a:off x="0" y="0"/>
+          <a:ext cx="0" cy="0"/>
+          <a:chOff x="0" y="0"/>
+          <a:chExt cx="0" cy="0"/>
+        </a:xfrm>
+      </p:grpSpPr>
+      <p:sp>
+        <p:nvSpPr>
+          <p:cNvPr id="2" name="タイトル 1">
+            <a:extLst>
+              <a:ext uri="{FF2B5EF4-FFF2-40B4-BE49-F238E27FC236}">
+                <a16:creationId xmlns:a16="http://schemas.microsoft.com/office/drawing/2014/main" id="{522A1B59-8C75-4C35-AE45-FDC65855BB0C}"/>
+              </a:ext>
+            </a:extLst>
+          </p:cNvPr>
+          <p:cNvSpPr>
+            <a:spLocks noGrp="1"/>
+          </p:cNvSpPr>
+          <p:nvPr>
+            <p:ph type="title"/>
+          </p:nvPr>
+        </p:nvSpPr>
+        <p:spPr/>
+        <p:txBody>
+          <a:bodyPr/>
+          <a:lstStyle/>
+          <a:p>
+            <a:r>
+              <a:rPr lang="en-US" altLang="ja-JP" b="1" dirty="0"/>
+              <a:t>GPS</a:t>
+            </a:r>
+            <a:r>
+              <a:rPr lang="ja-JP" altLang="en-US" b="1" dirty="0"/>
+              <a:t>の測位原理の細かい話（</a:t>
+            </a:r>
+            <a:r>
+              <a:rPr lang="en-US" altLang="ja-JP" b="1" dirty="0"/>
+              <a:t>2</a:t>
+            </a:r>
+            <a:r>
+              <a:rPr lang="ja-JP" altLang="en-US" b="1" dirty="0"/>
+              <a:t>）</a:t>
+            </a:r>
+            <a:endParaRPr kumimoji="1" lang="ja-JP" altLang="en-US" dirty="0"/>
+          </a:p>
+        </p:txBody>
+      </p:sp>
+      <p:pic>
+        <p:nvPicPr>
+          <p:cNvPr id="8" name="コンテンツ プレースホルダー 3">
+            <a:extLst>
+              <a:ext uri="{FF2B5EF4-FFF2-40B4-BE49-F238E27FC236}">
+                <a16:creationId xmlns:a16="http://schemas.microsoft.com/office/drawing/2014/main" id="{5118A85B-37AE-4DC2-90A4-A2334082ED8B}"/>
+              </a:ext>
+            </a:extLst>
+          </p:cNvPr>
+          <p:cNvPicPr>
+            <a:picLocks noGrp="1" noChangeAspect="1"/>
+          </p:cNvPicPr>
+          <p:nvPr>
+            <p:ph idx="1"/>
+          </p:nvPr>
+        </p:nvPicPr>
+        <p:blipFill>
+          <a:blip r:embed="rId2"/>
+          <a:stretch>
+            <a:fillRect/>
+          </a:stretch>
+        </p:blipFill>
+        <p:spPr>
+          <a:xfrm>
+            <a:off x="838200" y="1690688"/>
+            <a:ext cx="4856973" cy="3929062"/>
+          </a:xfrm>
+          <a:prstGeom prst="rect">
+            <a:avLst/>
+          </a:prstGeom>
+        </p:spPr>
+      </p:pic>
+      <p:sp>
+        <p:nvSpPr>
+          <p:cNvPr id="9" name="楕円 8">
+            <a:extLst>
+              <a:ext uri="{FF2B5EF4-FFF2-40B4-BE49-F238E27FC236}">
+                <a16:creationId xmlns:a16="http://schemas.microsoft.com/office/drawing/2014/main" id="{B41D14D4-2B8F-4DD0-9ABC-EA7A21BA73FA}"/>
+              </a:ext>
+            </a:extLst>
+          </p:cNvPr>
+          <p:cNvSpPr/>
+          <p:nvPr/>
+        </p:nvSpPr>
+        <p:spPr>
+          <a:xfrm rot="3029504">
+            <a:off x="1994730" y="1867851"/>
+            <a:ext cx="1413966" cy="3174684"/>
+          </a:xfrm>
+          <a:prstGeom prst="ellipse">
+            <a:avLst/>
+          </a:prstGeom>
+          <a:noFill/>
+          <a:ln w="28575"/>
+        </p:spPr>
+        <p:style>
+          <a:lnRef idx="2">
+            <a:schemeClr val="accent1">
+              <a:shade val="50000"/>
+            </a:schemeClr>
+          </a:lnRef>
+          <a:fillRef idx="1">
+            <a:schemeClr val="accent1"/>
+          </a:fillRef>
+          <a:effectRef idx="0">
+            <a:schemeClr val="accent1"/>
+          </a:effectRef>
+          <a:fontRef idx="minor">
+            <a:schemeClr val="lt1"/>
+          </a:fontRef>
+        </p:style>
+        <p:txBody>
+          <a:bodyPr rtlCol="0" anchor="ctr"/>
+          <a:lstStyle/>
+          <a:p>
+            <a:pPr algn="ctr"/>
+            <a:endParaRPr kumimoji="1" lang="ja-JP" altLang="en-US"/>
+          </a:p>
+        </p:txBody>
+      </p:sp>
+      <p:cxnSp>
+        <p:nvCxnSpPr>
+          <p:cNvPr id="11" name="直線矢印コネクタ 10">
+            <a:extLst>
+              <a:ext uri="{FF2B5EF4-FFF2-40B4-BE49-F238E27FC236}">
+                <a16:creationId xmlns:a16="http://schemas.microsoft.com/office/drawing/2014/main" id="{3BF0A987-8284-46C1-8245-0FB50055C250}"/>
+              </a:ext>
+            </a:extLst>
+          </p:cNvPr>
+          <p:cNvCxnSpPr>
+            <a:cxnSpLocks/>
+          </p:cNvCxnSpPr>
+          <p:nvPr/>
+        </p:nvCxnSpPr>
+        <p:spPr>
+          <a:xfrm flipV="1">
+            <a:off x="3895725" y="2867025"/>
+            <a:ext cx="1988499" cy="342901"/>
+          </a:xfrm>
+          <a:prstGeom prst="straightConnector1">
+            <a:avLst/>
+          </a:prstGeom>
+          <a:ln>
+            <a:tailEnd type="triangle"/>
+          </a:ln>
+        </p:spPr>
+        <p:style>
+          <a:lnRef idx="3">
+            <a:schemeClr val="accent1"/>
+          </a:lnRef>
+          <a:fillRef idx="0">
+            <a:schemeClr val="accent1"/>
+          </a:fillRef>
+          <a:effectRef idx="2">
+            <a:schemeClr val="accent1"/>
+          </a:effectRef>
+          <a:fontRef idx="minor">
+            <a:schemeClr val="tx1"/>
+          </a:fontRef>
+        </p:style>
+      </p:cxnSp>
+      <p:sp>
+        <p:nvSpPr>
+          <p:cNvPr id="14" name="正方形/長方形 13">
+            <a:extLst>
+              <a:ext uri="{FF2B5EF4-FFF2-40B4-BE49-F238E27FC236}">
+                <a16:creationId xmlns:a16="http://schemas.microsoft.com/office/drawing/2014/main" id="{FF45B578-A340-468B-AD25-4A0A53093BCA}"/>
+              </a:ext>
+            </a:extLst>
+          </p:cNvPr>
+          <p:cNvSpPr/>
+          <p:nvPr/>
+        </p:nvSpPr>
+        <p:spPr>
+          <a:xfrm>
+            <a:off x="6012320" y="1857020"/>
+            <a:ext cx="5722480" cy="2252308"/>
+          </a:xfrm>
+          <a:prstGeom prst="rect">
+            <a:avLst/>
+          </a:prstGeom>
+        </p:spPr>
+        <p:style>
+          <a:lnRef idx="2">
+            <a:schemeClr val="accent1">
+              <a:shade val="50000"/>
+            </a:schemeClr>
+          </a:lnRef>
+          <a:fillRef idx="1">
+            <a:schemeClr val="accent1"/>
+          </a:fillRef>
+          <a:effectRef idx="0">
+            <a:schemeClr val="accent1"/>
+          </a:effectRef>
+          <a:fontRef idx="minor">
+            <a:schemeClr val="lt1"/>
+          </a:fontRef>
+        </p:style>
+        <p:txBody>
+          <a:bodyPr rtlCol="0" anchor="ctr"/>
+          <a:lstStyle/>
+          <a:p>
+            <a:pPr algn="ctr"/>
+            <a:r>
+              <a:rPr kumimoji="1" lang="ja-JP" altLang="en-US" dirty="0"/>
+              <a:t>搬送波について</a:t>
+            </a:r>
+            <a:endParaRPr lang="en-US" altLang="ja-JP" b="1" i="0" dirty="0">
+              <a:solidFill>
+                <a:srgbClr val="101010"/>
+              </a:solidFill>
+              <a:effectLst/>
+              <a:latin typeface="Lucida Grande"/>
+            </a:endParaRPr>
+          </a:p>
+          <a:p>
+            <a:r>
+              <a:rPr lang="ja-JP" altLang="en-US" b="1" i="0" dirty="0">
+                <a:solidFill>
+                  <a:schemeClr val="bg1"/>
+                </a:solidFill>
+                <a:effectLst/>
+                <a:latin typeface="Lucida Grande"/>
+              </a:rPr>
+              <a:t>　</a:t>
+            </a:r>
+            <a:r>
+              <a:rPr lang="en-US" altLang="ja-JP" b="1" i="0" dirty="0">
+                <a:solidFill>
+                  <a:schemeClr val="bg1"/>
+                </a:solidFill>
+                <a:effectLst/>
+                <a:latin typeface="Lucida Grande"/>
+              </a:rPr>
+              <a:t>L1(1575MHz)</a:t>
+            </a:r>
+            <a:r>
+              <a:rPr lang="ja-JP" altLang="en-US" b="1" i="0" dirty="0">
+                <a:solidFill>
+                  <a:schemeClr val="bg1"/>
+                </a:solidFill>
+                <a:effectLst/>
+                <a:latin typeface="Lucida Grande"/>
+              </a:rPr>
+              <a:t>および</a:t>
+            </a:r>
+            <a:r>
+              <a:rPr lang="en-US" altLang="ja-JP" b="1" i="0" dirty="0">
+                <a:solidFill>
+                  <a:schemeClr val="bg1"/>
+                </a:solidFill>
+                <a:effectLst/>
+                <a:latin typeface="Lucida Grande"/>
+              </a:rPr>
+              <a:t>L2(1228MHz)</a:t>
+            </a:r>
+          </a:p>
+          <a:p>
+            <a:r>
+              <a:rPr lang="en-US" altLang="ja-JP" b="1" i="0" dirty="0">
+                <a:solidFill>
+                  <a:schemeClr val="bg1"/>
+                </a:solidFill>
+                <a:effectLst/>
+                <a:latin typeface="Lucida Grande"/>
+              </a:rPr>
+              <a:t>2</a:t>
+            </a:r>
+            <a:r>
+              <a:rPr lang="ja-JP" altLang="en-US" b="1" i="0" dirty="0">
+                <a:solidFill>
+                  <a:schemeClr val="bg1"/>
+                </a:solidFill>
+                <a:effectLst/>
+                <a:latin typeface="Lucida Grande"/>
+              </a:rPr>
+              <a:t>つの周波数の搬送波を</a:t>
+            </a:r>
+            <a:r>
+              <a:rPr lang="en-US" altLang="ja-JP" b="1" i="0" dirty="0">
+                <a:solidFill>
+                  <a:schemeClr val="bg1"/>
+                </a:solidFill>
+                <a:effectLst/>
+                <a:latin typeface="Lucida Grande"/>
+              </a:rPr>
+              <a:t>, </a:t>
+            </a:r>
+            <a:r>
+              <a:rPr lang="ja-JP" altLang="en-US" b="1" i="0" dirty="0">
+                <a:solidFill>
+                  <a:schemeClr val="bg1"/>
+                </a:solidFill>
+                <a:effectLst/>
+                <a:latin typeface="Lucida Grande"/>
+              </a:rPr>
+              <a:t>衛星ごとに割り当てられたコードで変調し送信</a:t>
+            </a:r>
+            <a:endParaRPr kumimoji="1" lang="ja-JP" altLang="en-US" b="1" dirty="0">
+              <a:solidFill>
+                <a:schemeClr val="bg1"/>
+              </a:solidFill>
+            </a:endParaRPr>
+          </a:p>
+          <a:p>
+            <a:pPr algn="ctr"/>
+            <a:endParaRPr kumimoji="1" lang="en-US" altLang="ja-JP" dirty="0"/>
+          </a:p>
+        </p:txBody>
+      </p:sp>
+    </p:spTree>
+    <p:extLst>
+      <p:ext uri="{BB962C8B-B14F-4D97-AF65-F5344CB8AC3E}">
+        <p14:creationId xmlns:p14="http://schemas.microsoft.com/office/powerpoint/2010/main" val="1770017526"/>
+      </p:ext>
+    </p:extLst>
+  </p:cSld>
+  <p:clrMapOvr>
+    <a:masterClrMapping/>
+  </p:clrMapOvr>
+</p:sld>
+</file>
+
+<file path=ppt/slides/slide12.xml><?xml version="1.0" encoding="utf-8"?>
+<p:sld xmlns:a="http://schemas.openxmlformats.org/drawingml/2006/main" xmlns:r="http://schemas.openxmlformats.org/officeDocument/2006/relationships" xmlns:p="http://schemas.openxmlformats.org/presentationml/2006/main">
+  <p:cSld>
+    <p:spTree>
+      <p:nvGrpSpPr>
+        <p:cNvPr id="1" name=""/>
+        <p:cNvGrpSpPr/>
+        <p:nvPr/>
+      </p:nvGrpSpPr>
+      <p:grpSpPr>
+        <a:xfrm>
+          <a:off x="0" y="0"/>
+          <a:ext cx="0" cy="0"/>
+          <a:chOff x="0" y="0"/>
+          <a:chExt cx="0" cy="0"/>
+        </a:xfrm>
+      </p:grpSpPr>
+      <p:sp>
+        <p:nvSpPr>
+          <p:cNvPr id="2" name="タイトル 1">
+            <a:extLst>
+              <a:ext uri="{FF2B5EF4-FFF2-40B4-BE49-F238E27FC236}">
                 <a16:creationId xmlns:a16="http://schemas.microsoft.com/office/drawing/2014/main" id="{1917A16A-21B0-4A5E-BBA1-FE85C4900BAB}"/>
               </a:ext>
             </a:extLst>
@@ -3923,7 +4496,7 @@
 </p:sld>
 </file>
 
-<file path=ppt/slides/slide11.xml><?xml version="1.0" encoding="utf-8"?>
+<file path=ppt/slides/slide13.xml><?xml version="1.0" encoding="utf-8"?>
 <p:sld xmlns:a="http://schemas.openxmlformats.org/drawingml/2006/main" xmlns:r="http://schemas.openxmlformats.org/officeDocument/2006/relationships" xmlns:p="http://schemas.openxmlformats.org/presentationml/2006/main">
   <p:cSld>
     <p:spTree>
@@ -4197,7 +4770,7 @@
 </p:sld>
 </file>
 
-<file path=ppt/slides/slide12.xml><?xml version="1.0" encoding="utf-8"?>
+<file path=ppt/slides/slide14.xml><?xml version="1.0" encoding="utf-8"?>
 <p:sld xmlns:a="http://schemas.openxmlformats.org/drawingml/2006/main" xmlns:r="http://schemas.openxmlformats.org/officeDocument/2006/relationships" xmlns:p="http://schemas.openxmlformats.org/presentationml/2006/main">
   <p:cSld>
     <p:spTree>
@@ -4292,7 +4865,7 @@
 </p:sld>
 </file>
 
-<file path=ppt/slides/slide13.xml><?xml version="1.0" encoding="utf-8"?>
+<file path=ppt/slides/slide15.xml><?xml version="1.0" encoding="utf-8"?>
 <p:sld xmlns:a="http://schemas.openxmlformats.org/drawingml/2006/main" xmlns:r="http://schemas.openxmlformats.org/officeDocument/2006/relationships" xmlns:p="http://schemas.openxmlformats.org/presentationml/2006/main">
   <p:cSld>
     <p:spTree>
@@ -5681,10 +6254,18 @@
           </a:p>
           <a:p>
             <a:r>
-              <a:rPr lang="ja-JP" altLang="en-US" b="1" dirty="0"/>
+              <a:rPr lang="ja-JP" altLang="en-US" b="1" dirty="0">
+                <a:solidFill>
+                  <a:srgbClr val="FF0000"/>
+                </a:solidFill>
+              </a:rPr>
               <a:t>④：三点測位法で受信機の位置（緯度・経度）を把握。</a:t>
             </a:r>
-            <a:endParaRPr lang="en-US" altLang="ja-JP" b="1" dirty="0"/>
+            <a:endParaRPr lang="en-US" altLang="ja-JP" b="1" dirty="0">
+              <a:solidFill>
+                <a:srgbClr val="FF0000"/>
+              </a:solidFill>
+            </a:endParaRPr>
           </a:p>
           <a:p>
             <a:r>
@@ -5970,6 +6551,444 @@
           <p:cNvPr id="2" name="タイトル 1">
             <a:extLst>
               <a:ext uri="{FF2B5EF4-FFF2-40B4-BE49-F238E27FC236}">
+                <a16:creationId xmlns:a16="http://schemas.microsoft.com/office/drawing/2014/main" id="{802B32C5-2A9F-4A1D-9E09-6AF2B45BE1A4}"/>
+              </a:ext>
+            </a:extLst>
+          </p:cNvPr>
+          <p:cNvSpPr>
+            <a:spLocks noGrp="1"/>
+          </p:cNvSpPr>
+          <p:nvPr>
+            <p:ph type="title"/>
+          </p:nvPr>
+        </p:nvSpPr>
+        <p:spPr/>
+        <p:txBody>
+          <a:bodyPr>
+            <a:normAutofit/>
+          </a:bodyPr>
+          <a:lstStyle/>
+          <a:p>
+            <a:r>
+              <a:rPr lang="en-US" altLang="ja-JP" sz="4000" b="1" dirty="0"/>
+              <a:t>GPS</a:t>
+            </a:r>
+            <a:r>
+              <a:rPr lang="ja-JP" altLang="en-US" sz="4000" b="1" dirty="0"/>
+              <a:t>の測位原理（</a:t>
+            </a:r>
+            <a:r>
+              <a:rPr lang="en-US" altLang="ja-JP" sz="4000" b="1" dirty="0"/>
+              <a:t>3</a:t>
+            </a:r>
+            <a:r>
+              <a:rPr lang="ja-JP" altLang="en-US" sz="4000" b="1" dirty="0"/>
+              <a:t>点測位法：三平方の定理）</a:t>
+            </a:r>
+            <a:endParaRPr kumimoji="1" lang="ja-JP" altLang="en-US" sz="4000" dirty="0"/>
+          </a:p>
+        </p:txBody>
+      </p:sp>
+      <p:pic>
+        <p:nvPicPr>
+          <p:cNvPr id="5" name="コンテンツ プレースホルダー 4">
+            <a:extLst>
+              <a:ext uri="{FF2B5EF4-FFF2-40B4-BE49-F238E27FC236}">
+                <a16:creationId xmlns:a16="http://schemas.microsoft.com/office/drawing/2014/main" id="{775485F9-5C4F-440A-9824-ADB942589177}"/>
+              </a:ext>
+            </a:extLst>
+          </p:cNvPr>
+          <p:cNvPicPr>
+            <a:picLocks noGrp="1" noChangeAspect="1"/>
+          </p:cNvPicPr>
+          <p:nvPr>
+            <p:ph idx="1"/>
+          </p:nvPr>
+        </p:nvPicPr>
+        <p:blipFill>
+          <a:blip r:embed="rId2"/>
+          <a:stretch>
+            <a:fillRect/>
+          </a:stretch>
+        </p:blipFill>
+        <p:spPr>
+          <a:xfrm>
+            <a:off x="6649675" y="1597376"/>
+            <a:ext cx="5114997" cy="3684281"/>
+          </a:xfrm>
+          <a:prstGeom prst="rect">
+            <a:avLst/>
+          </a:prstGeom>
+        </p:spPr>
+      </p:pic>
+      <p:pic>
+        <p:nvPicPr>
+          <p:cNvPr id="4" name="コンテンツ プレースホルダー 6">
+            <a:extLst>
+              <a:ext uri="{FF2B5EF4-FFF2-40B4-BE49-F238E27FC236}">
+                <a16:creationId xmlns:a16="http://schemas.microsoft.com/office/drawing/2014/main" id="{41BE9732-4258-4353-BFF2-2B129EDF2EF6}"/>
+              </a:ext>
+            </a:extLst>
+          </p:cNvPr>
+          <p:cNvPicPr>
+            <a:picLocks noChangeAspect="1"/>
+          </p:cNvPicPr>
+          <p:nvPr/>
+        </p:nvPicPr>
+        <p:blipFill>
+          <a:blip r:embed="rId3"/>
+          <a:stretch>
+            <a:fillRect/>
+          </a:stretch>
+        </p:blipFill>
+        <p:spPr>
+          <a:xfrm>
+            <a:off x="644094" y="1538034"/>
+            <a:ext cx="4873066" cy="2661444"/>
+          </a:xfrm>
+          <a:prstGeom prst="rect">
+            <a:avLst/>
+          </a:prstGeom>
+        </p:spPr>
+      </p:pic>
+      <p:sp>
+        <p:nvSpPr>
+          <p:cNvPr id="6" name="矢印: 右 5">
+            <a:extLst>
+              <a:ext uri="{FF2B5EF4-FFF2-40B4-BE49-F238E27FC236}">
+                <a16:creationId xmlns:a16="http://schemas.microsoft.com/office/drawing/2014/main" id="{2901AE89-C537-4D85-8A92-E74081149E3E}"/>
+              </a:ext>
+            </a:extLst>
+          </p:cNvPr>
+          <p:cNvSpPr/>
+          <p:nvPr/>
+        </p:nvSpPr>
+        <p:spPr>
+          <a:xfrm>
+            <a:off x="5810776" y="2306692"/>
+            <a:ext cx="864066" cy="1610686"/>
+          </a:xfrm>
+          <a:prstGeom prst="rightArrow">
+            <a:avLst/>
+          </a:prstGeom>
+        </p:spPr>
+        <p:style>
+          <a:lnRef idx="2">
+            <a:schemeClr val="accent1">
+              <a:shade val="50000"/>
+            </a:schemeClr>
+          </a:lnRef>
+          <a:fillRef idx="1">
+            <a:schemeClr val="accent1"/>
+          </a:fillRef>
+          <a:effectRef idx="0">
+            <a:schemeClr val="accent1"/>
+          </a:effectRef>
+          <a:fontRef idx="minor">
+            <a:schemeClr val="lt1"/>
+          </a:fontRef>
+        </p:style>
+        <p:txBody>
+          <a:bodyPr rtlCol="0" anchor="ctr"/>
+          <a:lstStyle/>
+          <a:p>
+            <a:pPr algn="ctr"/>
+            <a:endParaRPr kumimoji="1" lang="ja-JP" altLang="en-US"/>
+          </a:p>
+        </p:txBody>
+      </p:sp>
+      <p:pic>
+        <p:nvPicPr>
+          <p:cNvPr id="8" name="図 7">
+            <a:extLst>
+              <a:ext uri="{FF2B5EF4-FFF2-40B4-BE49-F238E27FC236}">
+                <a16:creationId xmlns:a16="http://schemas.microsoft.com/office/drawing/2014/main" id="{D1FFB634-C6CB-4B36-9BE8-429E3526E49F}"/>
+              </a:ext>
+            </a:extLst>
+          </p:cNvPr>
+          <p:cNvPicPr>
+            <a:picLocks noChangeAspect="1"/>
+          </p:cNvPicPr>
+          <p:nvPr/>
+        </p:nvPicPr>
+        <p:blipFill>
+          <a:blip r:embed="rId4"/>
+          <a:stretch>
+            <a:fillRect/>
+          </a:stretch>
+        </p:blipFill>
+        <p:spPr>
+          <a:xfrm>
+            <a:off x="1110143" y="4340225"/>
+            <a:ext cx="4432183" cy="2152650"/>
+          </a:xfrm>
+          <a:prstGeom prst="rect">
+            <a:avLst/>
+          </a:prstGeom>
+        </p:spPr>
+      </p:pic>
+      <p:sp>
+        <p:nvSpPr>
+          <p:cNvPr id="9" name="直角三角形 8">
+            <a:extLst>
+              <a:ext uri="{FF2B5EF4-FFF2-40B4-BE49-F238E27FC236}">
+                <a16:creationId xmlns:a16="http://schemas.microsoft.com/office/drawing/2014/main" id="{4D3B8DD3-3703-4D7E-BBB3-C2FA8BD0FD6F}"/>
+              </a:ext>
+            </a:extLst>
+          </p:cNvPr>
+          <p:cNvSpPr/>
+          <p:nvPr/>
+        </p:nvSpPr>
+        <p:spPr>
+          <a:xfrm rot="653857" flipH="1">
+            <a:off x="8674228" y="3676650"/>
+            <a:ext cx="463498" cy="778890"/>
+          </a:xfrm>
+          <a:prstGeom prst="rtTriangle">
+            <a:avLst/>
+          </a:prstGeom>
+        </p:spPr>
+        <p:style>
+          <a:lnRef idx="2">
+            <a:schemeClr val="accent1">
+              <a:shade val="50000"/>
+            </a:schemeClr>
+          </a:lnRef>
+          <a:fillRef idx="1">
+            <a:schemeClr val="accent1"/>
+          </a:fillRef>
+          <a:effectRef idx="0">
+            <a:schemeClr val="accent1"/>
+          </a:effectRef>
+          <a:fontRef idx="minor">
+            <a:schemeClr val="lt1"/>
+          </a:fontRef>
+        </p:style>
+        <p:txBody>
+          <a:bodyPr rtlCol="0" anchor="ctr"/>
+          <a:lstStyle/>
+          <a:p>
+            <a:pPr algn="ctr"/>
+            <a:endParaRPr kumimoji="1" lang="ja-JP" altLang="en-US" dirty="0"/>
+          </a:p>
+        </p:txBody>
+      </p:sp>
+    </p:spTree>
+    <p:extLst>
+      <p:ext uri="{BB962C8B-B14F-4D97-AF65-F5344CB8AC3E}">
+        <p14:creationId xmlns:p14="http://schemas.microsoft.com/office/powerpoint/2010/main" val="726019655"/>
+      </p:ext>
+    </p:extLst>
+  </p:cSld>
+  <p:clrMapOvr>
+    <a:masterClrMapping/>
+  </p:clrMapOvr>
+</p:sld>
+</file>
+
+<file path=ppt/slides/slide7.xml><?xml version="1.0" encoding="utf-8"?>
+<p:sld xmlns:a="http://schemas.openxmlformats.org/drawingml/2006/main" xmlns:r="http://schemas.openxmlformats.org/officeDocument/2006/relationships" xmlns:p="http://schemas.openxmlformats.org/presentationml/2006/main">
+  <p:cSld>
+    <p:spTree>
+      <p:nvGrpSpPr>
+        <p:cNvPr id="1" name=""/>
+        <p:cNvGrpSpPr/>
+        <p:nvPr/>
+      </p:nvGrpSpPr>
+      <p:grpSpPr>
+        <a:xfrm>
+          <a:off x="0" y="0"/>
+          <a:ext cx="0" cy="0"/>
+          <a:chOff x="0" y="0"/>
+          <a:chExt cx="0" cy="0"/>
+        </a:xfrm>
+      </p:grpSpPr>
+      <p:sp>
+        <p:nvSpPr>
+          <p:cNvPr id="2" name="タイトル 1">
+            <a:extLst>
+              <a:ext uri="{FF2B5EF4-FFF2-40B4-BE49-F238E27FC236}">
+                <a16:creationId xmlns:a16="http://schemas.microsoft.com/office/drawing/2014/main" id="{9BB928B7-1D81-46B1-9033-4A790162BB2A}"/>
+              </a:ext>
+            </a:extLst>
+          </p:cNvPr>
+          <p:cNvSpPr>
+            <a:spLocks noGrp="1"/>
+          </p:cNvSpPr>
+          <p:nvPr>
+            <p:ph type="title"/>
+          </p:nvPr>
+        </p:nvSpPr>
+        <p:spPr/>
+        <p:txBody>
+          <a:bodyPr>
+            <a:normAutofit/>
+          </a:bodyPr>
+          <a:lstStyle/>
+          <a:p>
+            <a:r>
+              <a:rPr lang="en-US" altLang="ja-JP" sz="4000" b="1" dirty="0"/>
+              <a:t>GPS</a:t>
+            </a:r>
+            <a:r>
+              <a:rPr lang="ja-JP" altLang="en-US" sz="4000" b="1" dirty="0"/>
+              <a:t>の測位原理（</a:t>
+            </a:r>
+            <a:r>
+              <a:rPr lang="en-US" altLang="ja-JP" sz="4000" b="1" dirty="0"/>
+              <a:t>3</a:t>
+            </a:r>
+            <a:r>
+              <a:rPr lang="ja-JP" altLang="en-US" sz="4000" b="1" dirty="0"/>
+              <a:t>点測位法：三平方の定理）</a:t>
+            </a:r>
+            <a:endParaRPr kumimoji="1" lang="ja-JP" altLang="en-US" sz="4000" dirty="0"/>
+          </a:p>
+        </p:txBody>
+      </p:sp>
+      <p:pic>
+        <p:nvPicPr>
+          <p:cNvPr id="4" name="コンテンツ プレースホルダー 3">
+            <a:extLst>
+              <a:ext uri="{FF2B5EF4-FFF2-40B4-BE49-F238E27FC236}">
+                <a16:creationId xmlns:a16="http://schemas.microsoft.com/office/drawing/2014/main" id="{931BBB1E-BCBF-439D-B8FA-1E8765B966BA}"/>
+              </a:ext>
+            </a:extLst>
+          </p:cNvPr>
+          <p:cNvPicPr>
+            <a:picLocks noGrp="1" noChangeAspect="1"/>
+          </p:cNvPicPr>
+          <p:nvPr>
+            <p:ph idx="1"/>
+          </p:nvPr>
+        </p:nvPicPr>
+        <p:blipFill>
+          <a:blip r:embed="rId2"/>
+          <a:stretch>
+            <a:fillRect/>
+          </a:stretch>
+        </p:blipFill>
+        <p:spPr>
+          <a:xfrm>
+            <a:off x="5210175" y="1540668"/>
+            <a:ext cx="6705600" cy="4219575"/>
+          </a:xfrm>
+          <a:prstGeom prst="rect">
+            <a:avLst/>
+          </a:prstGeom>
+        </p:spPr>
+      </p:pic>
+      <p:pic>
+        <p:nvPicPr>
+          <p:cNvPr id="5" name="図 4">
+            <a:extLst>
+              <a:ext uri="{FF2B5EF4-FFF2-40B4-BE49-F238E27FC236}">
+                <a16:creationId xmlns:a16="http://schemas.microsoft.com/office/drawing/2014/main" id="{D36B9AAA-7EDF-42BD-A9C9-36B427985879}"/>
+              </a:ext>
+            </a:extLst>
+          </p:cNvPr>
+          <p:cNvPicPr>
+            <a:picLocks noChangeAspect="1"/>
+          </p:cNvPicPr>
+          <p:nvPr/>
+        </p:nvPicPr>
+        <p:blipFill>
+          <a:blip r:embed="rId3"/>
+          <a:stretch>
+            <a:fillRect/>
+          </a:stretch>
+        </p:blipFill>
+        <p:spPr>
+          <a:xfrm>
+            <a:off x="838200" y="1527572"/>
+            <a:ext cx="4954573" cy="4395787"/>
+          </a:xfrm>
+          <a:prstGeom prst="rect">
+            <a:avLst/>
+          </a:prstGeom>
+        </p:spPr>
+      </p:pic>
+      <p:sp>
+        <p:nvSpPr>
+          <p:cNvPr id="7" name="直角三角形 6">
+            <a:extLst>
+              <a:ext uri="{FF2B5EF4-FFF2-40B4-BE49-F238E27FC236}">
+                <a16:creationId xmlns:a16="http://schemas.microsoft.com/office/drawing/2014/main" id="{54E3E29C-8BE1-4F84-8FF7-D491E884C95E}"/>
+              </a:ext>
+            </a:extLst>
+          </p:cNvPr>
+          <p:cNvSpPr/>
+          <p:nvPr/>
+        </p:nvSpPr>
+        <p:spPr>
+          <a:xfrm rot="653857" flipH="1">
+            <a:off x="8217029" y="4105275"/>
+            <a:ext cx="463498" cy="778890"/>
+          </a:xfrm>
+          <a:prstGeom prst="rtTriangle">
+            <a:avLst/>
+          </a:prstGeom>
+        </p:spPr>
+        <p:style>
+          <a:lnRef idx="2">
+            <a:schemeClr val="accent1">
+              <a:shade val="50000"/>
+            </a:schemeClr>
+          </a:lnRef>
+          <a:fillRef idx="1">
+            <a:schemeClr val="accent1"/>
+          </a:fillRef>
+          <a:effectRef idx="0">
+            <a:schemeClr val="accent1"/>
+          </a:effectRef>
+          <a:fontRef idx="minor">
+            <a:schemeClr val="lt1"/>
+          </a:fontRef>
+        </p:style>
+        <p:txBody>
+          <a:bodyPr rtlCol="0" anchor="ctr"/>
+          <a:lstStyle/>
+          <a:p>
+            <a:pPr algn="ctr"/>
+            <a:endParaRPr kumimoji="1" lang="ja-JP" altLang="en-US" dirty="0"/>
+          </a:p>
+        </p:txBody>
+      </p:sp>
+    </p:spTree>
+    <p:extLst>
+      <p:ext uri="{BB962C8B-B14F-4D97-AF65-F5344CB8AC3E}">
+        <p14:creationId xmlns:p14="http://schemas.microsoft.com/office/powerpoint/2010/main" val="4049969613"/>
+      </p:ext>
+    </p:extLst>
+  </p:cSld>
+  <p:clrMapOvr>
+    <a:masterClrMapping/>
+  </p:clrMapOvr>
+</p:sld>
+</file>
+
+<file path=ppt/slides/slide8.xml><?xml version="1.0" encoding="utf-8"?>
+<p:sld xmlns:a="http://schemas.openxmlformats.org/drawingml/2006/main" xmlns:r="http://schemas.openxmlformats.org/officeDocument/2006/relationships" xmlns:p="http://schemas.openxmlformats.org/presentationml/2006/main">
+  <p:cSld>
+    <p:spTree>
+      <p:nvGrpSpPr>
+        <p:cNvPr id="1" name=""/>
+        <p:cNvGrpSpPr/>
+        <p:nvPr/>
+      </p:nvGrpSpPr>
+      <p:grpSpPr>
+        <a:xfrm>
+          <a:off x="0" y="0"/>
+          <a:ext cx="0" cy="0"/>
+          <a:chOff x="0" y="0"/>
+          <a:chExt cx="0" cy="0"/>
+        </a:xfrm>
+      </p:grpSpPr>
+      <p:sp>
+        <p:nvSpPr>
+          <p:cNvPr id="2" name="タイトル 1">
+            <a:extLst>
+              <a:ext uri="{FF2B5EF4-FFF2-40B4-BE49-F238E27FC236}">
                 <a16:creationId xmlns:a16="http://schemas.microsoft.com/office/drawing/2014/main" id="{5BFC3B51-BF34-4207-8ECE-ABDE65AA4BE0}"/>
               </a:ext>
             </a:extLst>
@@ -6193,7 +7212,7 @@
 </p:sld>
 </file>
 
-<file path=ppt/slides/slide7.xml><?xml version="1.0" encoding="utf-8"?>
+<file path=ppt/slides/slide9.xml><?xml version="1.0" encoding="utf-8"?>
 <p:sld xmlns:a="http://schemas.openxmlformats.org/drawingml/2006/main" xmlns:r="http://schemas.openxmlformats.org/officeDocument/2006/relationships" xmlns:p="http://schemas.openxmlformats.org/presentationml/2006/main">
   <p:cSld>
     <p:spTree>
@@ -6467,577 +7486,6 @@
     <p:extLst>
       <p:ext uri="{BB962C8B-B14F-4D97-AF65-F5344CB8AC3E}">
         <p14:creationId xmlns:p14="http://schemas.microsoft.com/office/powerpoint/2010/main" val="2413285173"/>
-      </p:ext>
-    </p:extLst>
-  </p:cSld>
-  <p:clrMapOvr>
-    <a:masterClrMapping/>
-  </p:clrMapOvr>
-</p:sld>
-</file>
-
-<file path=ppt/slides/slide8.xml><?xml version="1.0" encoding="utf-8"?>
-<p:sld xmlns:a="http://schemas.openxmlformats.org/drawingml/2006/main" xmlns:r="http://schemas.openxmlformats.org/officeDocument/2006/relationships" xmlns:p="http://schemas.openxmlformats.org/presentationml/2006/main">
-  <p:cSld>
-    <p:spTree>
-      <p:nvGrpSpPr>
-        <p:cNvPr id="1" name=""/>
-        <p:cNvGrpSpPr/>
-        <p:nvPr/>
-      </p:nvGrpSpPr>
-      <p:grpSpPr>
-        <a:xfrm>
-          <a:off x="0" y="0"/>
-          <a:ext cx="0" cy="0"/>
-          <a:chOff x="0" y="0"/>
-          <a:chExt cx="0" cy="0"/>
-        </a:xfrm>
-      </p:grpSpPr>
-      <p:sp>
-        <p:nvSpPr>
-          <p:cNvPr id="2" name="タイトル 1">
-            <a:extLst>
-              <a:ext uri="{FF2B5EF4-FFF2-40B4-BE49-F238E27FC236}">
-                <a16:creationId xmlns:a16="http://schemas.microsoft.com/office/drawing/2014/main" id="{1B8C24D0-EC72-4816-8EB2-BC2D799D91A7}"/>
-              </a:ext>
-            </a:extLst>
-          </p:cNvPr>
-          <p:cNvSpPr>
-            <a:spLocks noGrp="1"/>
-          </p:cNvSpPr>
-          <p:nvPr>
-            <p:ph type="title"/>
-          </p:nvPr>
-        </p:nvSpPr>
-        <p:spPr/>
-        <p:txBody>
-          <a:bodyPr/>
-          <a:lstStyle/>
-          <a:p>
-            <a:r>
-              <a:rPr lang="en-US" altLang="ja-JP" b="1" dirty="0"/>
-              <a:t>GPS</a:t>
-            </a:r>
-            <a:r>
-              <a:rPr lang="ja-JP" altLang="en-US" b="1" dirty="0"/>
-              <a:t>の測位原理の細かい話（１）</a:t>
-            </a:r>
-            <a:endParaRPr kumimoji="1" lang="ja-JP" altLang="en-US" dirty="0"/>
-          </a:p>
-        </p:txBody>
-      </p:sp>
-      <p:pic>
-        <p:nvPicPr>
-          <p:cNvPr id="4" name="コンテンツ プレースホルダー 3">
-            <a:extLst>
-              <a:ext uri="{FF2B5EF4-FFF2-40B4-BE49-F238E27FC236}">
-                <a16:creationId xmlns:a16="http://schemas.microsoft.com/office/drawing/2014/main" id="{EEAE550E-C3E6-4A1D-8996-1B1E508AA304}"/>
-              </a:ext>
-            </a:extLst>
-          </p:cNvPr>
-          <p:cNvPicPr>
-            <a:picLocks noGrp="1" noChangeAspect="1"/>
-          </p:cNvPicPr>
-          <p:nvPr>
-            <p:ph idx="1"/>
-          </p:nvPr>
-        </p:nvPicPr>
-        <p:blipFill>
-          <a:blip r:embed="rId2"/>
-          <a:stretch>
-            <a:fillRect/>
-          </a:stretch>
-        </p:blipFill>
-        <p:spPr>
-          <a:xfrm>
-            <a:off x="1125275" y="1638301"/>
-            <a:ext cx="5378976" cy="4351338"/>
-          </a:xfrm>
-          <a:prstGeom prst="rect">
-            <a:avLst/>
-          </a:prstGeom>
-        </p:spPr>
-      </p:pic>
-      <p:sp>
-        <p:nvSpPr>
-          <p:cNvPr id="6" name="正方形/長方形 5">
-            <a:extLst>
-              <a:ext uri="{FF2B5EF4-FFF2-40B4-BE49-F238E27FC236}">
-                <a16:creationId xmlns:a16="http://schemas.microsoft.com/office/drawing/2014/main" id="{D246151B-0DF0-4A3D-BEFF-69412E7A7C86}"/>
-              </a:ext>
-            </a:extLst>
-          </p:cNvPr>
-          <p:cNvSpPr/>
-          <p:nvPr/>
-        </p:nvSpPr>
-        <p:spPr>
-          <a:xfrm>
-            <a:off x="6791325" y="1638301"/>
-            <a:ext cx="5140969" cy="3275013"/>
-          </a:xfrm>
-          <a:prstGeom prst="rect">
-            <a:avLst/>
-          </a:prstGeom>
-        </p:spPr>
-        <p:style>
-          <a:lnRef idx="2">
-            <a:schemeClr val="accent1">
-              <a:shade val="50000"/>
-            </a:schemeClr>
-          </a:lnRef>
-          <a:fillRef idx="1">
-            <a:schemeClr val="accent1"/>
-          </a:fillRef>
-          <a:effectRef idx="0">
-            <a:schemeClr val="accent1"/>
-          </a:effectRef>
-          <a:fontRef idx="minor">
-            <a:schemeClr val="lt1"/>
-          </a:fontRef>
-        </p:style>
-        <p:txBody>
-          <a:bodyPr rtlCol="0" anchor="ctr"/>
-          <a:lstStyle/>
-          <a:p>
-            <a:r>
-              <a:rPr lang="ja-JP" altLang="en-US" dirty="0"/>
-              <a:t>受信機から衛星までの距離１：</a:t>
-            </a:r>
-            <a:endParaRPr lang="en-US" altLang="ja-JP" dirty="0"/>
-          </a:p>
-          <a:p>
-            <a:r>
-              <a:rPr lang="ja-JP" altLang="en-US" b="1" dirty="0"/>
-              <a:t>　信号速度</a:t>
-            </a:r>
-            <a:r>
-              <a:rPr lang="en-US" altLang="ja-JP" b="1" dirty="0"/>
-              <a:t>×</a:t>
-            </a:r>
-            <a:r>
-              <a:rPr lang="ja-JP" altLang="en-US" b="1" dirty="0"/>
-              <a:t>信号到達時間</a:t>
-            </a:r>
-            <a:endParaRPr lang="en-US" altLang="ja-JP" b="1" dirty="0"/>
-          </a:p>
-          <a:p>
-            <a:r>
-              <a:rPr lang="ja-JP" altLang="en-US" dirty="0"/>
-              <a:t>受信機から衛星までの距離２</a:t>
-            </a:r>
-            <a:r>
-              <a:rPr lang="ja-JP" altLang="en-US" b="1" dirty="0"/>
-              <a:t>：</a:t>
-            </a:r>
-            <a:endParaRPr lang="en-US" altLang="ja-JP" dirty="0"/>
-          </a:p>
-          <a:p>
-            <a:r>
-              <a:rPr lang="ja-JP" altLang="en-US" dirty="0"/>
-              <a:t>　</a:t>
-            </a:r>
-            <a:r>
-              <a:rPr lang="ja-JP" altLang="en-US" b="1" dirty="0"/>
-              <a:t>信号電波の波の数を数える。</a:t>
-            </a:r>
-            <a:endParaRPr lang="en-US" altLang="ja-JP" b="1" dirty="0"/>
-          </a:p>
-          <a:p>
-            <a:r>
-              <a:rPr lang="ja-JP" altLang="en-US" b="1" dirty="0"/>
-              <a:t>詳細部分：</a:t>
-            </a:r>
-            <a:endParaRPr lang="en-US" altLang="ja-JP" b="1" dirty="0"/>
-          </a:p>
-          <a:p>
-            <a:r>
-              <a:rPr lang="ja-JP" altLang="en-US" dirty="0"/>
-              <a:t>　一つの波が</a:t>
-            </a:r>
-            <a:r>
-              <a:rPr lang="en-US" altLang="ja-JP" dirty="0"/>
-              <a:t>19cm</a:t>
-            </a:r>
-            <a:r>
-              <a:rPr lang="ja-JP" altLang="en-US" dirty="0"/>
-              <a:t>でそれが何個かで衛星までの距離を把握している。</a:t>
-            </a:r>
-            <a:endParaRPr lang="en-US" altLang="ja-JP" dirty="0"/>
-          </a:p>
-          <a:p>
-            <a:r>
-              <a:rPr lang="ja-JP" altLang="en-US" b="0" i="0" dirty="0">
-                <a:solidFill>
-                  <a:schemeClr val="bg1"/>
-                </a:solidFill>
-                <a:effectLst/>
-                <a:latin typeface="source-han-sans-japanese"/>
-              </a:rPr>
-              <a:t>衛星から送られてくる信号の時刻情報の分解能（１目盛）は、約</a:t>
-            </a:r>
-            <a:r>
-              <a:rPr lang="en-US" altLang="ja-JP" b="0" i="0" dirty="0">
-                <a:solidFill>
-                  <a:schemeClr val="bg1"/>
-                </a:solidFill>
-                <a:effectLst/>
-                <a:latin typeface="source-han-sans-japanese"/>
-              </a:rPr>
-              <a:t>300m</a:t>
-            </a:r>
-            <a:endParaRPr lang="en-US" altLang="ja-JP" dirty="0">
-              <a:solidFill>
-                <a:schemeClr val="bg1"/>
-              </a:solidFill>
-            </a:endParaRPr>
-          </a:p>
-        </p:txBody>
-      </p:sp>
-    </p:spTree>
-    <p:extLst>
-      <p:ext uri="{BB962C8B-B14F-4D97-AF65-F5344CB8AC3E}">
-        <p14:creationId xmlns:p14="http://schemas.microsoft.com/office/powerpoint/2010/main" val="2804608544"/>
-      </p:ext>
-    </p:extLst>
-  </p:cSld>
-  <p:clrMapOvr>
-    <a:masterClrMapping/>
-  </p:clrMapOvr>
-</p:sld>
-</file>
-
-<file path=ppt/slides/slide9.xml><?xml version="1.0" encoding="utf-8"?>
-<p:sld xmlns:a="http://schemas.openxmlformats.org/drawingml/2006/main" xmlns:r="http://schemas.openxmlformats.org/officeDocument/2006/relationships" xmlns:p="http://schemas.openxmlformats.org/presentationml/2006/main">
-  <p:cSld>
-    <p:spTree>
-      <p:nvGrpSpPr>
-        <p:cNvPr id="1" name=""/>
-        <p:cNvGrpSpPr/>
-        <p:nvPr/>
-      </p:nvGrpSpPr>
-      <p:grpSpPr>
-        <a:xfrm>
-          <a:off x="0" y="0"/>
-          <a:ext cx="0" cy="0"/>
-          <a:chOff x="0" y="0"/>
-          <a:chExt cx="0" cy="0"/>
-        </a:xfrm>
-      </p:grpSpPr>
-      <p:sp>
-        <p:nvSpPr>
-          <p:cNvPr id="2" name="タイトル 1">
-            <a:extLst>
-              <a:ext uri="{FF2B5EF4-FFF2-40B4-BE49-F238E27FC236}">
-                <a16:creationId xmlns:a16="http://schemas.microsoft.com/office/drawing/2014/main" id="{522A1B59-8C75-4C35-AE45-FDC65855BB0C}"/>
-              </a:ext>
-            </a:extLst>
-          </p:cNvPr>
-          <p:cNvSpPr>
-            <a:spLocks noGrp="1"/>
-          </p:cNvSpPr>
-          <p:nvPr>
-            <p:ph type="title"/>
-          </p:nvPr>
-        </p:nvSpPr>
-        <p:spPr/>
-        <p:txBody>
-          <a:bodyPr/>
-          <a:lstStyle/>
-          <a:p>
-            <a:r>
-              <a:rPr lang="en-US" altLang="ja-JP" b="1" dirty="0"/>
-              <a:t>GPS</a:t>
-            </a:r>
-            <a:r>
-              <a:rPr lang="ja-JP" altLang="en-US" b="1" dirty="0"/>
-              <a:t>の測位原理の細かい話（</a:t>
-            </a:r>
-            <a:r>
-              <a:rPr lang="en-US" altLang="ja-JP" b="1" dirty="0"/>
-              <a:t>2</a:t>
-            </a:r>
-            <a:r>
-              <a:rPr lang="ja-JP" altLang="en-US" b="1" dirty="0"/>
-              <a:t>）</a:t>
-            </a:r>
-            <a:endParaRPr kumimoji="1" lang="ja-JP" altLang="en-US" dirty="0"/>
-          </a:p>
-        </p:txBody>
-      </p:sp>
-      <p:pic>
-        <p:nvPicPr>
-          <p:cNvPr id="8" name="コンテンツ プレースホルダー 3">
-            <a:extLst>
-              <a:ext uri="{FF2B5EF4-FFF2-40B4-BE49-F238E27FC236}">
-                <a16:creationId xmlns:a16="http://schemas.microsoft.com/office/drawing/2014/main" id="{5118A85B-37AE-4DC2-90A4-A2334082ED8B}"/>
-              </a:ext>
-            </a:extLst>
-          </p:cNvPr>
-          <p:cNvPicPr>
-            <a:picLocks noGrp="1" noChangeAspect="1"/>
-          </p:cNvPicPr>
-          <p:nvPr>
-            <p:ph idx="1"/>
-          </p:nvPr>
-        </p:nvPicPr>
-        <p:blipFill>
-          <a:blip r:embed="rId2"/>
-          <a:stretch>
-            <a:fillRect/>
-          </a:stretch>
-        </p:blipFill>
-        <p:spPr>
-          <a:xfrm>
-            <a:off x="838200" y="1690688"/>
-            <a:ext cx="4856973" cy="3929062"/>
-          </a:xfrm>
-          <a:prstGeom prst="rect">
-            <a:avLst/>
-          </a:prstGeom>
-        </p:spPr>
-      </p:pic>
-      <p:sp>
-        <p:nvSpPr>
-          <p:cNvPr id="9" name="楕円 8">
-            <a:extLst>
-              <a:ext uri="{FF2B5EF4-FFF2-40B4-BE49-F238E27FC236}">
-                <a16:creationId xmlns:a16="http://schemas.microsoft.com/office/drawing/2014/main" id="{B41D14D4-2B8F-4DD0-9ABC-EA7A21BA73FA}"/>
-              </a:ext>
-            </a:extLst>
-          </p:cNvPr>
-          <p:cNvSpPr/>
-          <p:nvPr/>
-        </p:nvSpPr>
-        <p:spPr>
-          <a:xfrm rot="3029504">
-            <a:off x="1994730" y="1867851"/>
-            <a:ext cx="1413966" cy="3174684"/>
-          </a:xfrm>
-          <a:prstGeom prst="ellipse">
-            <a:avLst/>
-          </a:prstGeom>
-          <a:noFill/>
-          <a:ln w="28575"/>
-        </p:spPr>
-        <p:style>
-          <a:lnRef idx="2">
-            <a:schemeClr val="accent1">
-              <a:shade val="50000"/>
-            </a:schemeClr>
-          </a:lnRef>
-          <a:fillRef idx="1">
-            <a:schemeClr val="accent1"/>
-          </a:fillRef>
-          <a:effectRef idx="0">
-            <a:schemeClr val="accent1"/>
-          </a:effectRef>
-          <a:fontRef idx="minor">
-            <a:schemeClr val="lt1"/>
-          </a:fontRef>
-        </p:style>
-        <p:txBody>
-          <a:bodyPr rtlCol="0" anchor="ctr"/>
-          <a:lstStyle/>
-          <a:p>
-            <a:pPr algn="ctr"/>
-            <a:endParaRPr kumimoji="1" lang="ja-JP" altLang="en-US"/>
-          </a:p>
-        </p:txBody>
-      </p:sp>
-      <p:cxnSp>
-        <p:nvCxnSpPr>
-          <p:cNvPr id="11" name="直線矢印コネクタ 10">
-            <a:extLst>
-              <a:ext uri="{FF2B5EF4-FFF2-40B4-BE49-F238E27FC236}">
-                <a16:creationId xmlns:a16="http://schemas.microsoft.com/office/drawing/2014/main" id="{3BF0A987-8284-46C1-8245-0FB50055C250}"/>
-              </a:ext>
-            </a:extLst>
-          </p:cNvPr>
-          <p:cNvCxnSpPr>
-            <a:cxnSpLocks/>
-          </p:cNvCxnSpPr>
-          <p:nvPr/>
-        </p:nvCxnSpPr>
-        <p:spPr>
-          <a:xfrm flipV="1">
-            <a:off x="3895725" y="2867025"/>
-            <a:ext cx="1988499" cy="342901"/>
-          </a:xfrm>
-          <a:prstGeom prst="straightConnector1">
-            <a:avLst/>
-          </a:prstGeom>
-          <a:ln>
-            <a:tailEnd type="triangle"/>
-          </a:ln>
-        </p:spPr>
-        <p:style>
-          <a:lnRef idx="3">
-            <a:schemeClr val="accent1"/>
-          </a:lnRef>
-          <a:fillRef idx="0">
-            <a:schemeClr val="accent1"/>
-          </a:fillRef>
-          <a:effectRef idx="2">
-            <a:schemeClr val="accent1"/>
-          </a:effectRef>
-          <a:fontRef idx="minor">
-            <a:schemeClr val="tx1"/>
-          </a:fontRef>
-        </p:style>
-      </p:cxnSp>
-      <p:sp>
-        <p:nvSpPr>
-          <p:cNvPr id="14" name="正方形/長方形 13">
-            <a:extLst>
-              <a:ext uri="{FF2B5EF4-FFF2-40B4-BE49-F238E27FC236}">
-                <a16:creationId xmlns:a16="http://schemas.microsoft.com/office/drawing/2014/main" id="{FF45B578-A340-468B-AD25-4A0A53093BCA}"/>
-              </a:ext>
-            </a:extLst>
-          </p:cNvPr>
-          <p:cNvSpPr/>
-          <p:nvPr/>
-        </p:nvSpPr>
-        <p:spPr>
-          <a:xfrm>
-            <a:off x="6012320" y="1857020"/>
-            <a:ext cx="5722480" cy="2252308"/>
-          </a:xfrm>
-          <a:prstGeom prst="rect">
-            <a:avLst/>
-          </a:prstGeom>
-        </p:spPr>
-        <p:style>
-          <a:lnRef idx="2">
-            <a:schemeClr val="accent1">
-              <a:shade val="50000"/>
-            </a:schemeClr>
-          </a:lnRef>
-          <a:fillRef idx="1">
-            <a:schemeClr val="accent1"/>
-          </a:fillRef>
-          <a:effectRef idx="0">
-            <a:schemeClr val="accent1"/>
-          </a:effectRef>
-          <a:fontRef idx="minor">
-            <a:schemeClr val="lt1"/>
-          </a:fontRef>
-        </p:style>
-        <p:txBody>
-          <a:bodyPr rtlCol="0" anchor="ctr"/>
-          <a:lstStyle/>
-          <a:p>
-            <a:pPr algn="ctr"/>
-            <a:r>
-              <a:rPr kumimoji="1" lang="ja-JP" altLang="en-US" dirty="0"/>
-              <a:t>搬送波について</a:t>
-            </a:r>
-            <a:endParaRPr lang="en-US" altLang="ja-JP" b="1" i="0" dirty="0">
-              <a:solidFill>
-                <a:srgbClr val="101010"/>
-              </a:solidFill>
-              <a:effectLst/>
-              <a:latin typeface="Lucida Grande"/>
-            </a:endParaRPr>
-          </a:p>
-          <a:p>
-            <a:r>
-              <a:rPr lang="ja-JP" altLang="en-US" b="1" i="0" dirty="0">
-                <a:solidFill>
-                  <a:schemeClr val="bg1"/>
-                </a:solidFill>
-                <a:effectLst/>
-                <a:latin typeface="Lucida Grande"/>
-              </a:rPr>
-              <a:t>　</a:t>
-            </a:r>
-            <a:r>
-              <a:rPr lang="en-US" altLang="ja-JP" b="1" i="0" dirty="0">
-                <a:solidFill>
-                  <a:schemeClr val="bg1"/>
-                </a:solidFill>
-                <a:effectLst/>
-                <a:latin typeface="Lucida Grande"/>
-              </a:rPr>
-              <a:t>L1(1575MHz)</a:t>
-            </a:r>
-            <a:r>
-              <a:rPr lang="ja-JP" altLang="en-US" b="1" i="0" dirty="0">
-                <a:solidFill>
-                  <a:schemeClr val="bg1"/>
-                </a:solidFill>
-                <a:effectLst/>
-                <a:latin typeface="Lucida Grande"/>
-              </a:rPr>
-              <a:t>および</a:t>
-            </a:r>
-            <a:r>
-              <a:rPr lang="en-US" altLang="ja-JP" b="1" i="0" dirty="0">
-                <a:solidFill>
-                  <a:schemeClr val="bg1"/>
-                </a:solidFill>
-                <a:effectLst/>
-                <a:latin typeface="Lucida Grande"/>
-              </a:rPr>
-              <a:t>L2(1228MHz)</a:t>
-            </a:r>
-          </a:p>
-          <a:p>
-            <a:r>
-              <a:rPr lang="en-US" altLang="ja-JP" b="1" i="0" dirty="0">
-                <a:solidFill>
-                  <a:schemeClr val="bg1"/>
-                </a:solidFill>
-                <a:effectLst/>
-                <a:latin typeface="Lucida Grande"/>
-              </a:rPr>
-              <a:t>2</a:t>
-            </a:r>
-            <a:r>
-              <a:rPr lang="ja-JP" altLang="en-US" b="1" i="0" dirty="0">
-                <a:solidFill>
-                  <a:schemeClr val="bg1"/>
-                </a:solidFill>
-                <a:effectLst/>
-                <a:latin typeface="Lucida Grande"/>
-              </a:rPr>
-              <a:t>つの周波数の搬送波を</a:t>
-            </a:r>
-            <a:r>
-              <a:rPr lang="en-US" altLang="ja-JP" b="1" i="0" dirty="0">
-                <a:solidFill>
-                  <a:schemeClr val="bg1"/>
-                </a:solidFill>
-                <a:effectLst/>
-                <a:latin typeface="Lucida Grande"/>
-              </a:rPr>
-              <a:t>, </a:t>
-            </a:r>
-            <a:r>
-              <a:rPr lang="ja-JP" altLang="en-US" b="1" i="0" dirty="0">
-                <a:solidFill>
-                  <a:schemeClr val="bg1"/>
-                </a:solidFill>
-                <a:effectLst/>
-                <a:latin typeface="Lucida Grande"/>
-              </a:rPr>
-              <a:t>衛星ごとに割り当てられたコードで変調し送信</a:t>
-            </a:r>
-            <a:endParaRPr kumimoji="1" lang="ja-JP" altLang="en-US" b="1" dirty="0">
-              <a:solidFill>
-                <a:schemeClr val="bg1"/>
-              </a:solidFill>
-            </a:endParaRPr>
-          </a:p>
-          <a:p>
-            <a:pPr algn="ctr"/>
-            <a:endParaRPr kumimoji="1" lang="en-US" altLang="ja-JP" dirty="0"/>
-          </a:p>
-        </p:txBody>
-      </p:sp>
-    </p:spTree>
-    <p:extLst>
-      <p:ext uri="{BB962C8B-B14F-4D97-AF65-F5344CB8AC3E}">
-        <p14:creationId xmlns:p14="http://schemas.microsoft.com/office/powerpoint/2010/main" val="1770017526"/>
       </p:ext>
     </p:extLst>
   </p:cSld>
